--- a/Преза/Paramonov_NIR_presentation_v.1.3.pptx
+++ b/Преза/Paramonov_NIR_presentation_v.1.3.pptx
@@ -5,7 +5,7 @@
     <p:sldMasterId id="2147483648" r:id="rId1"/>
   </p:sldMasterIdLst>
   <p:notesMasterIdLst>
-    <p:notesMasterId r:id="rId22"/>
+    <p:notesMasterId r:id="rId23"/>
   </p:notesMasterIdLst>
   <p:sldIdLst>
     <p:sldId id="257" r:id="rId2"/>
@@ -26,8 +26,9 @@
     <p:sldId id="284" r:id="rId17"/>
     <p:sldId id="289" r:id="rId18"/>
     <p:sldId id="290" r:id="rId19"/>
-    <p:sldId id="285" r:id="rId20"/>
-    <p:sldId id="293" r:id="rId21"/>
+    <p:sldId id="297" r:id="rId20"/>
+    <p:sldId id="285" r:id="rId21"/>
+    <p:sldId id="293" r:id="rId22"/>
   </p:sldIdLst>
   <p:sldSz cx="12192000" cy="6858000"/>
   <p:notesSz cx="6858000" cy="9144000"/>
@@ -216,7 +217,7 @@
           <a:p>
             <a:fld id="{2ECBF563-1454-45CF-9C12-65CCA9100844}" type="datetimeFigureOut">
               <a:rPr lang="ru-RU" smtClean="0"/>
-              <a:t>17.05.2023</a:t>
+              <a:t>26.05.2023</a:t>
             </a:fld>
             <a:endParaRPr lang="ru-RU"/>
           </a:p>
@@ -2834,6 +2835,90 @@
     </p:spTree>
     <p:extLst>
       <p:ext uri="{BB962C8B-B14F-4D97-AF65-F5344CB8AC3E}">
+        <p14:creationId xmlns:p14="http://schemas.microsoft.com/office/powerpoint/2010/main" val="3268559021"/>
+      </p:ext>
+    </p:extLst>
+  </p:cSld>
+  <p:clrMapOvr>
+    <a:masterClrMapping/>
+  </p:clrMapOvr>
+</p:notes>
+</file>
+
+<file path=ppt/notesSlides/notesSlide19.xml><?xml version="1.0" encoding="utf-8"?>
+<p:notes xmlns:a="http://schemas.openxmlformats.org/drawingml/2006/main" xmlns:r="http://schemas.openxmlformats.org/officeDocument/2006/relationships" xmlns:p="http://schemas.openxmlformats.org/presentationml/2006/main">
+  <p:cSld>
+    <p:spTree>
+      <p:nvGrpSpPr>
+        <p:cNvPr id="1" name=""/>
+        <p:cNvGrpSpPr/>
+        <p:nvPr/>
+      </p:nvGrpSpPr>
+      <p:grpSpPr>
+        <a:xfrm>
+          <a:off x="0" y="0"/>
+          <a:ext cx="0" cy="0"/>
+          <a:chOff x="0" y="0"/>
+          <a:chExt cx="0" cy="0"/>
+        </a:xfrm>
+      </p:grpSpPr>
+      <p:sp>
+        <p:nvSpPr>
+          <p:cNvPr id="2" name="Образ слайда 1"/>
+          <p:cNvSpPr>
+            <a:spLocks noGrp="1" noRot="1" noChangeAspect="1"/>
+          </p:cNvSpPr>
+          <p:nvPr>
+            <p:ph type="sldImg"/>
+          </p:nvPr>
+        </p:nvSpPr>
+        <p:spPr/>
+      </p:sp>
+      <p:sp>
+        <p:nvSpPr>
+          <p:cNvPr id="3" name="Заметки 2"/>
+          <p:cNvSpPr>
+            <a:spLocks noGrp="1"/>
+          </p:cNvSpPr>
+          <p:nvPr>
+            <p:ph type="body" idx="1"/>
+          </p:nvPr>
+        </p:nvSpPr>
+        <p:spPr/>
+        <p:txBody>
+          <a:bodyPr/>
+          <a:lstStyle/>
+          <a:p>
+            <a:endParaRPr lang="ru-RU" dirty="0"/>
+          </a:p>
+        </p:txBody>
+      </p:sp>
+      <p:sp>
+        <p:nvSpPr>
+          <p:cNvPr id="4" name="Номер слайда 3"/>
+          <p:cNvSpPr>
+            <a:spLocks noGrp="1"/>
+          </p:cNvSpPr>
+          <p:nvPr>
+            <p:ph type="sldNum" sz="quarter" idx="5"/>
+          </p:nvPr>
+        </p:nvSpPr>
+        <p:spPr/>
+        <p:txBody>
+          <a:bodyPr/>
+          <a:lstStyle/>
+          <a:p>
+            <a:fld id="{925B1E9D-6EFB-411E-B6D9-EBF76DFB6FB9}" type="slidenum">
+              <a:rPr lang="ru-RU" smtClean="0"/>
+              <a:t>20</a:t>
+            </a:fld>
+            <a:endParaRPr lang="ru-RU"/>
+          </a:p>
+        </p:txBody>
+      </p:sp>
+    </p:spTree>
+    <p:extLst>
+      <p:ext uri="{BB962C8B-B14F-4D97-AF65-F5344CB8AC3E}">
         <p14:creationId xmlns:p14="http://schemas.microsoft.com/office/powerpoint/2010/main" val="3298731631"/>
       </p:ext>
     </p:extLst>
@@ -5342,7 +5427,7 @@
           <a:p>
             <a:fld id="{41C77549-9AC0-42E1-8BDC-DB7610B38D26}" type="datetime1">
               <a:rPr lang="ru-RU" smtClean="0"/>
-              <a:t>17.05.2023</a:t>
+              <a:t>26.05.2023</a:t>
             </a:fld>
             <a:endParaRPr lang="ru-RU"/>
           </a:p>
@@ -5540,7 +5625,7 @@
           <a:p>
             <a:fld id="{E8E05409-575F-4A57-A8AE-BADDEB03B22B}" type="datetime1">
               <a:rPr lang="ru-RU" smtClean="0"/>
-              <a:t>17.05.2023</a:t>
+              <a:t>26.05.2023</a:t>
             </a:fld>
             <a:endParaRPr lang="ru-RU"/>
           </a:p>
@@ -5748,7 +5833,7 @@
           <a:p>
             <a:fld id="{BEDFD9FF-9216-466C-9FA2-F5AB9E204232}" type="datetime1">
               <a:rPr lang="ru-RU" smtClean="0"/>
-              <a:t>17.05.2023</a:t>
+              <a:t>26.05.2023</a:t>
             </a:fld>
             <a:endParaRPr lang="ru-RU"/>
           </a:p>
@@ -5946,7 +6031,7 @@
           <a:p>
             <a:fld id="{9353085E-1AE4-42F4-B407-317916763979}" type="datetime1">
               <a:rPr lang="ru-RU" smtClean="0"/>
-              <a:t>17.05.2023</a:t>
+              <a:t>26.05.2023</a:t>
             </a:fld>
             <a:endParaRPr lang="ru-RU"/>
           </a:p>
@@ -6221,7 +6306,7 @@
           <a:p>
             <a:fld id="{74494DAF-AFB4-4EFE-A38A-E84257D8D7C3}" type="datetime1">
               <a:rPr lang="ru-RU" smtClean="0"/>
-              <a:t>17.05.2023</a:t>
+              <a:t>26.05.2023</a:t>
             </a:fld>
             <a:endParaRPr lang="ru-RU"/>
           </a:p>
@@ -6486,7 +6571,7 @@
           <a:p>
             <a:fld id="{EC6BE7C5-F9CC-4D92-B2BE-3C22DD922281}" type="datetime1">
               <a:rPr lang="ru-RU" smtClean="0"/>
-              <a:t>17.05.2023</a:t>
+              <a:t>26.05.2023</a:t>
             </a:fld>
             <a:endParaRPr lang="ru-RU"/>
           </a:p>
@@ -6898,7 +6983,7 @@
           <a:p>
             <a:fld id="{353F6214-8897-4FE6-86ED-B04A70182DC9}" type="datetime1">
               <a:rPr lang="ru-RU" smtClean="0"/>
-              <a:t>17.05.2023</a:t>
+              <a:t>26.05.2023</a:t>
             </a:fld>
             <a:endParaRPr lang="ru-RU"/>
           </a:p>
@@ -7039,7 +7124,7 @@
           <a:p>
             <a:fld id="{1F46DC02-5EB6-40A1-8E74-E2CD4B0CF108}" type="datetime1">
               <a:rPr lang="ru-RU" smtClean="0"/>
-              <a:t>17.05.2023</a:t>
+              <a:t>26.05.2023</a:t>
             </a:fld>
             <a:endParaRPr lang="ru-RU"/>
           </a:p>
@@ -7152,7 +7237,7 @@
           <a:p>
             <a:fld id="{632C5090-844A-4271-BF1F-0E4097470E9F}" type="datetime1">
               <a:rPr lang="ru-RU" smtClean="0"/>
-              <a:t>17.05.2023</a:t>
+              <a:t>26.05.2023</a:t>
             </a:fld>
             <a:endParaRPr lang="ru-RU"/>
           </a:p>
@@ -7463,7 +7548,7 @@
           <a:p>
             <a:fld id="{AA49EB73-0FEC-4595-81E4-92DB52727373}" type="datetime1">
               <a:rPr lang="ru-RU" smtClean="0"/>
-              <a:t>17.05.2023</a:t>
+              <a:t>26.05.2023</a:t>
             </a:fld>
             <a:endParaRPr lang="ru-RU"/>
           </a:p>
@@ -7751,7 +7836,7 @@
           <a:p>
             <a:fld id="{2271662F-0FEA-48FF-BDFF-6D8414691119}" type="datetime1">
               <a:rPr lang="ru-RU" smtClean="0"/>
-              <a:t>17.05.2023</a:t>
+              <a:t>26.05.2023</a:t>
             </a:fld>
             <a:endParaRPr lang="ru-RU"/>
           </a:p>
@@ -7992,7 +8077,7 @@
           <a:p>
             <a:fld id="{E68FB9D6-2BA9-4EAE-9167-16A1A73F384F}" type="datetime1">
               <a:rPr lang="ru-RU" smtClean="0"/>
-              <a:t>17.05.2023</a:t>
+              <a:t>26.05.2023</a:t>
             </a:fld>
             <a:endParaRPr lang="ru-RU"/>
           </a:p>
@@ -12248,7 +12333,14 @@
                 <a:latin typeface="Times New Roman" panose="02020603050405020304" pitchFamily="18" charset="0"/>
                 <a:cs typeface="Times New Roman" panose="02020603050405020304" pitchFamily="18" charset="0"/>
               </a:rPr>
-              <a:t>Вывод</a:t>
+              <a:t>Интеграция в </a:t>
+            </a:r>
+            <a:r>
+              <a:rPr lang="en-US" dirty="0">
+                <a:latin typeface="Times New Roman" panose="02020603050405020304" pitchFamily="18" charset="0"/>
+                <a:cs typeface="Times New Roman" panose="02020603050405020304" pitchFamily="18" charset="0"/>
+              </a:rPr>
+              <a:t>UE5</a:t>
             </a:r>
             <a:endParaRPr lang="ru-RU" dirty="0"/>
           </a:p>
@@ -12256,10 +12348,10 @@
       </p:sp>
       <p:sp>
         <p:nvSpPr>
-          <p:cNvPr id="4" name="Объект 3">
+          <p:cNvPr id="3" name="Нижний колонтитул 2">
             <a:extLst>
               <a:ext uri="{FF2B5EF4-FFF2-40B4-BE49-F238E27FC236}">
-                <a16:creationId xmlns:a16="http://schemas.microsoft.com/office/drawing/2014/main" id="{2A81CA13-4B27-4520-90E4-22D10390300A}"/>
+                <a16:creationId xmlns:a16="http://schemas.microsoft.com/office/drawing/2014/main" id="{5210FEDC-5433-4D92-BAAD-B19E836D14BF}"/>
               </a:ext>
             </a:extLst>
           </p:cNvPr>
@@ -12267,220 +12359,24 @@
             <a:spLocks noGrp="1"/>
           </p:cNvSpPr>
           <p:nvPr>
-            <p:ph idx="1"/>
-          </p:nvPr>
-        </p:nvSpPr>
-        <p:spPr/>
-        <p:txBody>
-          <a:bodyPr>
-            <a:normAutofit fontScale="92500"/>
-          </a:bodyPr>
-          <a:lstStyle/>
-          <a:p>
-            <a:r>
-              <a:rPr lang="ru-RU" dirty="0"/>
-              <a:t>Разработана механика взаимодействия с компаньоном, благодаря которой</a:t>
-            </a:r>
-            <a:r>
-              <a:rPr lang="en-US" dirty="0"/>
-              <a:t>:</a:t>
-            </a:r>
-          </a:p>
-          <a:p>
-            <a:pPr lvl="1"/>
-            <a:r>
-              <a:rPr lang="ru-RU" dirty="0"/>
-              <a:t>Игрок может</a:t>
-            </a:r>
-            <a:r>
-              <a:rPr lang="en-US" dirty="0"/>
-              <a:t> </a:t>
-            </a:r>
-            <a:r>
-              <a:rPr lang="ru-RU" dirty="0"/>
-              <a:t>ввести необходимую ему фразу в диалоговое окно с </a:t>
-            </a:r>
-            <a:r>
-              <a:rPr lang="en-US" dirty="0"/>
-              <a:t>NPC</a:t>
-            </a:r>
-            <a:endParaRPr lang="ru-RU" dirty="0"/>
-          </a:p>
-          <a:p>
-            <a:pPr lvl="1"/>
-            <a:r>
-              <a:rPr lang="ru-RU" dirty="0"/>
-              <a:t>После чего классифицируется данная фраза по функциям </a:t>
-            </a:r>
-            <a:r>
-              <a:rPr lang="en-US" dirty="0"/>
-              <a:t>NPC </a:t>
-            </a:r>
-            <a:r>
-              <a:rPr lang="ru-RU" dirty="0"/>
-              <a:t>и по тональности</a:t>
-            </a:r>
-          </a:p>
-          <a:p>
-            <a:pPr lvl="1"/>
-            <a:r>
-              <a:rPr lang="ru-RU" dirty="0"/>
-              <a:t>На основе этого</a:t>
-            </a:r>
-            <a:r>
-              <a:rPr lang="en-US" dirty="0"/>
-              <a:t> NPC </a:t>
-            </a:r>
-            <a:r>
-              <a:rPr lang="ru-RU" dirty="0"/>
-              <a:t>выполнить требуемую функцию</a:t>
-            </a:r>
-            <a:endParaRPr lang="en-US" dirty="0"/>
-          </a:p>
-          <a:p>
-            <a:r>
-              <a:rPr lang="ru-RU" dirty="0"/>
-              <a:t>Разработаны наиболее подходящие модели нейронной сети</a:t>
-            </a:r>
-            <a:r>
-              <a:rPr lang="en-US" dirty="0"/>
-              <a:t>:</a:t>
-            </a:r>
-          </a:p>
-          <a:p>
-            <a:pPr lvl="1"/>
-            <a:r>
-              <a:rPr lang="ru-RU" dirty="0"/>
-              <a:t>Для классификации тональности фраз</a:t>
-            </a:r>
-            <a:r>
-              <a:rPr lang="en-US" dirty="0"/>
-              <a:t> </a:t>
-            </a:r>
-            <a:r>
-              <a:rPr lang="ru-RU" dirty="0"/>
-              <a:t>наиболее подходящей является – </a:t>
-            </a:r>
-            <a:r>
-              <a:rPr lang="en-US" dirty="0"/>
-              <a:t>CNN, </a:t>
-            </a:r>
-            <a:r>
-              <a:rPr lang="ru-RU" dirty="0"/>
-              <a:t>с временем обучения в 39 секунд, </a:t>
-            </a:r>
-            <a:r>
-              <a:rPr lang="en-US" dirty="0"/>
-              <a:t>Inference = 3ms/step, AUC = </a:t>
-            </a:r>
-            <a:r>
-              <a:rPr lang="ru-RU" dirty="0"/>
-              <a:t>0,96269</a:t>
-            </a:r>
-            <a:r>
-              <a:rPr lang="en-US" dirty="0"/>
-              <a:t> </a:t>
-            </a:r>
-            <a:r>
-              <a:rPr lang="ru-RU" dirty="0"/>
-              <a:t>и </a:t>
-            </a:r>
-            <a:r>
-              <a:rPr lang="en-US" dirty="0"/>
-              <a:t>Accuracy = </a:t>
-            </a:r>
-            <a:r>
-              <a:rPr lang="ru-RU" dirty="0"/>
-              <a:t>0,9975</a:t>
-            </a:r>
-          </a:p>
-          <a:p>
-            <a:pPr lvl="1"/>
-            <a:r>
-              <a:rPr lang="ru-RU" dirty="0"/>
-              <a:t>Для классификации функций </a:t>
-            </a:r>
-            <a:r>
-              <a:rPr lang="en-US" dirty="0"/>
-              <a:t>NPC </a:t>
-            </a:r>
-            <a:r>
-              <a:rPr lang="ru-RU" dirty="0"/>
-              <a:t>наиболее подходящей является – </a:t>
-            </a:r>
-            <a:r>
-              <a:rPr lang="en-US" dirty="0"/>
-              <a:t>CNN, </a:t>
-            </a:r>
-            <a:r>
-              <a:rPr lang="ru-RU" dirty="0"/>
-              <a:t>с временем обучения в 20 секунд, </a:t>
-            </a:r>
-            <a:r>
-              <a:rPr lang="en-US" dirty="0"/>
-              <a:t>Inference = </a:t>
-            </a:r>
-            <a:r>
-              <a:rPr lang="ru-RU" dirty="0"/>
-              <a:t>8</a:t>
-            </a:r>
-            <a:r>
-              <a:rPr lang="en-US" dirty="0" err="1"/>
-              <a:t>ms</a:t>
-            </a:r>
-            <a:r>
-              <a:rPr lang="en-US" dirty="0"/>
-              <a:t>/step </a:t>
-            </a:r>
-            <a:r>
-              <a:rPr lang="ru-RU" dirty="0"/>
-              <a:t>и </a:t>
-            </a:r>
-            <a:r>
-              <a:rPr lang="en-US" dirty="0"/>
-              <a:t>Accuracy = </a:t>
-            </a:r>
-            <a:r>
-              <a:rPr lang="ru-RU" dirty="0"/>
-              <a:t>0,9821</a:t>
-            </a:r>
-          </a:p>
-          <a:p>
-            <a:endParaRPr lang="ru-RU" dirty="0"/>
-          </a:p>
-        </p:txBody>
-      </p:sp>
-      <p:sp>
-        <p:nvSpPr>
-          <p:cNvPr id="3" name="Нижний колонтитул 2">
+            <p:ph type="ftr" sz="quarter" idx="11"/>
+          </p:nvPr>
+        </p:nvSpPr>
+        <p:spPr/>
+        <p:txBody>
+          <a:bodyPr/>
+          <a:lstStyle/>
+          <a:p>
+            <a:endParaRPr lang="ru-RU"/>
+          </a:p>
+        </p:txBody>
+      </p:sp>
+      <p:sp>
+        <p:nvSpPr>
+          <p:cNvPr id="4" name="Номер слайда 3">
             <a:extLst>
               <a:ext uri="{FF2B5EF4-FFF2-40B4-BE49-F238E27FC236}">
-                <a16:creationId xmlns:a16="http://schemas.microsoft.com/office/drawing/2014/main" id="{6CCF83DD-059F-4B3D-8E92-5D2FDA285B65}"/>
-              </a:ext>
-            </a:extLst>
-          </p:cNvPr>
-          <p:cNvSpPr>
-            <a:spLocks noGrp="1"/>
-          </p:cNvSpPr>
-          <p:nvPr>
-            <p:ph type="ftr" sz="quarter" idx="11"/>
-          </p:nvPr>
-        </p:nvSpPr>
-        <p:spPr/>
-        <p:txBody>
-          <a:bodyPr/>
-          <a:lstStyle/>
-          <a:p>
-            <a:endParaRPr lang="ru-RU"/>
-          </a:p>
-        </p:txBody>
-      </p:sp>
-      <p:sp>
-        <p:nvSpPr>
-          <p:cNvPr id="5" name="Номер слайда 4">
-            <a:extLst>
-              <a:ext uri="{FF2B5EF4-FFF2-40B4-BE49-F238E27FC236}">
-                <a16:creationId xmlns:a16="http://schemas.microsoft.com/office/drawing/2014/main" id="{63AA1225-A5D2-4D66-A1E4-65FB0BC283ED}"/>
+                <a16:creationId xmlns:a16="http://schemas.microsoft.com/office/drawing/2014/main" id="{F11AAFD7-CBBD-4B53-A4A6-824E31496F16}"/>
               </a:ext>
             </a:extLst>
           </p:cNvPr>
@@ -12504,10 +12400,59 @@
           </a:p>
         </p:txBody>
       </p:sp>
+      <p:pic>
+        <p:nvPicPr>
+          <p:cNvPr id="1026" name="Picture 2" descr="https://sun9-72.userapi.com/impg/OoWCf-qyZPs_lqTOi_FAQQI8zReqvC0ZCTM_yg/h-tyzNmfYUw.jpg?size=1915x1029&amp;quality=96&amp;sign=5518621b4afc50c5f50d60f02b45a7bd&amp;type=album">
+            <a:extLst>
+              <a:ext uri="{FF2B5EF4-FFF2-40B4-BE49-F238E27FC236}">
+                <a16:creationId xmlns:a16="http://schemas.microsoft.com/office/drawing/2014/main" id="{B48C3C3F-0F7D-4031-846C-DD1AF5D3AEDE}"/>
+              </a:ext>
+            </a:extLst>
+          </p:cNvPr>
+          <p:cNvPicPr>
+            <a:picLocks noGrp="1" noChangeAspect="1" noChangeArrowheads="1"/>
+          </p:cNvPicPr>
+          <p:nvPr>
+            <p:ph idx="1"/>
+          </p:nvPr>
+        </p:nvPicPr>
+        <p:blipFill>
+          <a:blip r:embed="rId3">
+            <a:extLst>
+              <a:ext uri="{28A0092B-C50C-407E-A947-70E740481C1C}">
+                <a14:useLocalDpi xmlns:a14="http://schemas.microsoft.com/office/drawing/2010/main" val="0"/>
+              </a:ext>
+            </a:extLst>
+          </a:blip>
+          <a:srcRect/>
+          <a:stretch>
+            <a:fillRect/>
+          </a:stretch>
+        </p:blipFill>
+        <p:spPr bwMode="auto">
+          <a:xfrm>
+            <a:off x="1464758" y="1400994"/>
+            <a:ext cx="9476143" cy="5091881"/>
+          </a:xfrm>
+          <a:prstGeom prst="rect">
+            <a:avLst/>
+          </a:prstGeom>
+          <a:noFill/>
+          <a:extLst>
+            <a:ext uri="{909E8E84-426E-40DD-AFC4-6F175D3DCCD1}">
+              <a14:hiddenFill xmlns:a14="http://schemas.microsoft.com/office/drawing/2010/main">
+                <a:solidFill>
+                  <a:srgbClr val="FFFFFF"/>
+                </a:solidFill>
+              </a14:hiddenFill>
+            </a:ext>
+          </a:extLst>
+        </p:spPr>
+      </p:pic>
     </p:spTree>
     <p:extLst>
       <p:ext uri="{BB962C8B-B14F-4D97-AF65-F5344CB8AC3E}">
-        <p14:creationId xmlns:p14="http://schemas.microsoft.com/office/powerpoint/2010/main" val="379873680"/>
+        <p14:creationId xmlns:p14="http://schemas.microsoft.com/office/powerpoint/2010/main" val="1961339859"/>
       </p:ext>
     </p:extLst>
   </p:cSld>
@@ -12726,6 +12671,319 @@
       </p:grpSpPr>
       <p:sp>
         <p:nvSpPr>
+          <p:cNvPr id="2" name="Заголовок 1">
+            <a:extLst>
+              <a:ext uri="{FF2B5EF4-FFF2-40B4-BE49-F238E27FC236}">
+                <a16:creationId xmlns:a16="http://schemas.microsoft.com/office/drawing/2014/main" id="{26CAF08C-1251-4C18-978D-D4038255BD09}"/>
+              </a:ext>
+            </a:extLst>
+          </p:cNvPr>
+          <p:cNvSpPr>
+            <a:spLocks noGrp="1"/>
+          </p:cNvSpPr>
+          <p:nvPr>
+            <p:ph type="title"/>
+          </p:nvPr>
+        </p:nvSpPr>
+        <p:spPr/>
+        <p:txBody>
+          <a:bodyPr/>
+          <a:lstStyle/>
+          <a:p>
+            <a:pPr algn="ctr"/>
+            <a:r>
+              <a:rPr lang="ru-RU" dirty="0">
+                <a:latin typeface="Times New Roman" panose="02020603050405020304" pitchFamily="18" charset="0"/>
+                <a:cs typeface="Times New Roman" panose="02020603050405020304" pitchFamily="18" charset="0"/>
+              </a:rPr>
+              <a:t>Вывод</a:t>
+            </a:r>
+            <a:endParaRPr lang="ru-RU" dirty="0"/>
+          </a:p>
+        </p:txBody>
+      </p:sp>
+      <p:sp>
+        <p:nvSpPr>
+          <p:cNvPr id="4" name="Объект 3">
+            <a:extLst>
+              <a:ext uri="{FF2B5EF4-FFF2-40B4-BE49-F238E27FC236}">
+                <a16:creationId xmlns:a16="http://schemas.microsoft.com/office/drawing/2014/main" id="{2A81CA13-4B27-4520-90E4-22D10390300A}"/>
+              </a:ext>
+            </a:extLst>
+          </p:cNvPr>
+          <p:cNvSpPr>
+            <a:spLocks noGrp="1"/>
+          </p:cNvSpPr>
+          <p:nvPr>
+            <p:ph idx="1"/>
+          </p:nvPr>
+        </p:nvSpPr>
+        <p:spPr/>
+        <p:txBody>
+          <a:bodyPr>
+            <a:normAutofit fontScale="92500"/>
+          </a:bodyPr>
+          <a:lstStyle/>
+          <a:p>
+            <a:r>
+              <a:rPr lang="ru-RU" dirty="0"/>
+              <a:t>Разработана механика взаимодействия с компаньоном, благодаря которой</a:t>
+            </a:r>
+            <a:r>
+              <a:rPr lang="en-US" dirty="0"/>
+              <a:t>:</a:t>
+            </a:r>
+          </a:p>
+          <a:p>
+            <a:pPr lvl="1"/>
+            <a:r>
+              <a:rPr lang="ru-RU" dirty="0"/>
+              <a:t>Игрок может</a:t>
+            </a:r>
+            <a:r>
+              <a:rPr lang="en-US" dirty="0"/>
+              <a:t> </a:t>
+            </a:r>
+            <a:r>
+              <a:rPr lang="ru-RU" dirty="0"/>
+              <a:t>ввести необходимую ему фразу в диалоговое окно с </a:t>
+            </a:r>
+            <a:r>
+              <a:rPr lang="en-US" dirty="0"/>
+              <a:t>NPC</a:t>
+            </a:r>
+            <a:endParaRPr lang="ru-RU" dirty="0"/>
+          </a:p>
+          <a:p>
+            <a:pPr lvl="1"/>
+            <a:r>
+              <a:rPr lang="ru-RU" dirty="0"/>
+              <a:t>После чего классифицируется данная фраза по функциям </a:t>
+            </a:r>
+            <a:r>
+              <a:rPr lang="en-US" dirty="0"/>
+              <a:t>NPC </a:t>
+            </a:r>
+            <a:r>
+              <a:rPr lang="ru-RU" dirty="0"/>
+              <a:t>и по тональности</a:t>
+            </a:r>
+          </a:p>
+          <a:p>
+            <a:pPr lvl="1"/>
+            <a:r>
+              <a:rPr lang="ru-RU" dirty="0"/>
+              <a:t>На основе этого</a:t>
+            </a:r>
+            <a:r>
+              <a:rPr lang="en-US" dirty="0"/>
+              <a:t> NPC </a:t>
+            </a:r>
+            <a:r>
+              <a:rPr lang="ru-RU" dirty="0"/>
+              <a:t>выполнить требуемую функцию</a:t>
+            </a:r>
+            <a:endParaRPr lang="en-US" dirty="0"/>
+          </a:p>
+          <a:p>
+            <a:r>
+              <a:rPr lang="ru-RU" dirty="0"/>
+              <a:t>Разработаны наиболее подходящие модели нейронной сети</a:t>
+            </a:r>
+            <a:r>
+              <a:rPr lang="en-US" dirty="0"/>
+              <a:t>:</a:t>
+            </a:r>
+          </a:p>
+          <a:p>
+            <a:pPr lvl="1"/>
+            <a:r>
+              <a:rPr lang="ru-RU" dirty="0"/>
+              <a:t>Для классификации тональности фраз</a:t>
+            </a:r>
+            <a:r>
+              <a:rPr lang="en-US" dirty="0"/>
+              <a:t> </a:t>
+            </a:r>
+            <a:r>
+              <a:rPr lang="ru-RU" dirty="0"/>
+              <a:t>наиболее подходящей является – </a:t>
+            </a:r>
+            <a:r>
+              <a:rPr lang="en-US" dirty="0"/>
+              <a:t>CNN, </a:t>
+            </a:r>
+            <a:r>
+              <a:rPr lang="ru-RU" dirty="0"/>
+              <a:t>с временем обучения в 39 секунд, </a:t>
+            </a:r>
+            <a:r>
+              <a:rPr lang="en-US" dirty="0"/>
+              <a:t>Inference = 3ms/step, AUC = </a:t>
+            </a:r>
+            <a:r>
+              <a:rPr lang="ru-RU" dirty="0"/>
+              <a:t>0,96269</a:t>
+            </a:r>
+            <a:r>
+              <a:rPr lang="en-US" dirty="0"/>
+              <a:t> </a:t>
+            </a:r>
+            <a:r>
+              <a:rPr lang="ru-RU" dirty="0"/>
+              <a:t>и </a:t>
+            </a:r>
+            <a:r>
+              <a:rPr lang="en-US" dirty="0"/>
+              <a:t>Accuracy = </a:t>
+            </a:r>
+            <a:r>
+              <a:rPr lang="ru-RU" dirty="0"/>
+              <a:t>0,9975</a:t>
+            </a:r>
+          </a:p>
+          <a:p>
+            <a:pPr lvl="1"/>
+            <a:r>
+              <a:rPr lang="ru-RU" dirty="0"/>
+              <a:t>Для классификации функций </a:t>
+            </a:r>
+            <a:r>
+              <a:rPr lang="en-US" dirty="0"/>
+              <a:t>NPC </a:t>
+            </a:r>
+            <a:r>
+              <a:rPr lang="ru-RU" dirty="0"/>
+              <a:t>наиболее подходящей является – </a:t>
+            </a:r>
+            <a:r>
+              <a:rPr lang="en-US" dirty="0"/>
+              <a:t>CNN, </a:t>
+            </a:r>
+            <a:r>
+              <a:rPr lang="ru-RU" dirty="0"/>
+              <a:t>с временем обучения в 20 секунд, </a:t>
+            </a:r>
+            <a:r>
+              <a:rPr lang="en-US" dirty="0"/>
+              <a:t>Inference = </a:t>
+            </a:r>
+            <a:r>
+              <a:rPr lang="ru-RU" dirty="0"/>
+              <a:t>8</a:t>
+            </a:r>
+            <a:r>
+              <a:rPr lang="en-US" dirty="0" err="1"/>
+              <a:t>ms</a:t>
+            </a:r>
+            <a:r>
+              <a:rPr lang="en-US" dirty="0"/>
+              <a:t>/step </a:t>
+            </a:r>
+            <a:r>
+              <a:rPr lang="ru-RU" dirty="0"/>
+              <a:t>и </a:t>
+            </a:r>
+            <a:r>
+              <a:rPr lang="en-US" dirty="0"/>
+              <a:t>Accuracy = </a:t>
+            </a:r>
+            <a:r>
+              <a:rPr lang="ru-RU" dirty="0"/>
+              <a:t>0,9821</a:t>
+            </a:r>
+          </a:p>
+          <a:p>
+            <a:endParaRPr lang="ru-RU" dirty="0"/>
+          </a:p>
+        </p:txBody>
+      </p:sp>
+      <p:sp>
+        <p:nvSpPr>
+          <p:cNvPr id="3" name="Нижний колонтитул 2">
+            <a:extLst>
+              <a:ext uri="{FF2B5EF4-FFF2-40B4-BE49-F238E27FC236}">
+                <a16:creationId xmlns:a16="http://schemas.microsoft.com/office/drawing/2014/main" id="{6CCF83DD-059F-4B3D-8E92-5D2FDA285B65}"/>
+              </a:ext>
+            </a:extLst>
+          </p:cNvPr>
+          <p:cNvSpPr>
+            <a:spLocks noGrp="1"/>
+          </p:cNvSpPr>
+          <p:nvPr>
+            <p:ph type="ftr" sz="quarter" idx="11"/>
+          </p:nvPr>
+        </p:nvSpPr>
+        <p:spPr/>
+        <p:txBody>
+          <a:bodyPr/>
+          <a:lstStyle/>
+          <a:p>
+            <a:endParaRPr lang="ru-RU"/>
+          </a:p>
+        </p:txBody>
+      </p:sp>
+      <p:sp>
+        <p:nvSpPr>
+          <p:cNvPr id="5" name="Номер слайда 4">
+            <a:extLst>
+              <a:ext uri="{FF2B5EF4-FFF2-40B4-BE49-F238E27FC236}">
+                <a16:creationId xmlns:a16="http://schemas.microsoft.com/office/drawing/2014/main" id="{63AA1225-A5D2-4D66-A1E4-65FB0BC283ED}"/>
+              </a:ext>
+            </a:extLst>
+          </p:cNvPr>
+          <p:cNvSpPr>
+            <a:spLocks noGrp="1"/>
+          </p:cNvSpPr>
+          <p:nvPr>
+            <p:ph type="sldNum" sz="quarter" idx="12"/>
+          </p:nvPr>
+        </p:nvSpPr>
+        <p:spPr/>
+        <p:txBody>
+          <a:bodyPr/>
+          <a:lstStyle/>
+          <a:p>
+            <a:fld id="{C99C5B68-8823-4082-9E88-E8D5818E0980}" type="slidenum">
+              <a:rPr lang="ru-RU" smtClean="0"/>
+              <a:t>20</a:t>
+            </a:fld>
+            <a:endParaRPr lang="ru-RU"/>
+          </a:p>
+        </p:txBody>
+      </p:sp>
+    </p:spTree>
+    <p:extLst>
+      <p:ext uri="{BB962C8B-B14F-4D97-AF65-F5344CB8AC3E}">
+        <p14:creationId xmlns:p14="http://schemas.microsoft.com/office/powerpoint/2010/main" val="379873680"/>
+      </p:ext>
+    </p:extLst>
+  </p:cSld>
+  <p:clrMapOvr>
+    <a:masterClrMapping/>
+  </p:clrMapOvr>
+</p:sld>
+</file>
+
+<file path=ppt/slides/slide21.xml><?xml version="1.0" encoding="utf-8"?>
+<p:sld xmlns:a="http://schemas.openxmlformats.org/drawingml/2006/main" xmlns:r="http://schemas.openxmlformats.org/officeDocument/2006/relationships" xmlns:p="http://schemas.openxmlformats.org/presentationml/2006/main">
+  <p:cSld>
+    <p:spTree>
+      <p:nvGrpSpPr>
+        <p:cNvPr id="1" name=""/>
+        <p:cNvGrpSpPr/>
+        <p:nvPr/>
+      </p:nvGrpSpPr>
+      <p:grpSpPr>
+        <a:xfrm>
+          <a:off x="0" y="0"/>
+          <a:ext cx="0" cy="0"/>
+          <a:chOff x="0" y="0"/>
+          <a:chExt cx="0" cy="0"/>
+        </a:xfrm>
+      </p:grpSpPr>
+      <p:sp>
+        <p:nvSpPr>
           <p:cNvPr id="2" name="Заголовок 1"/>
           <p:cNvSpPr>
             <a:spLocks noGrp="1"/>
@@ -13404,7 +13662,7 @@
             </a:pPr>
             <a:r>
               <a:rPr lang="ru-RU" dirty="0"/>
-              <a:t>Целью данной работы является разработка улучшения игровой механики, которая заключается</a:t>
+              <a:t>Целью данной работы является разработка новой функциональности игровой механики, которая заключается</a:t>
             </a:r>
             <a:r>
               <a:rPr lang="en-US" dirty="0"/>
